--- a/docs/songs/spirit break out.pptx
+++ b/docs/songs/spirit break out.pptx
@@ -309,7 +309,7 @@
             <a:fld id="{26EA1CF3-4A15-4CBF-9A5A-6A56C368BE71}" type="datetimeFigureOut">
               <a:rPr lang="en-GB" smtClean="0"/>
               <a:pPr/>
-              <a:t>03/10/2022</a:t>
+              <a:t>10/02/2025</a:t>
             </a:fld>
             <a:endParaRPr lang="en-GB"/>
           </a:p>
@@ -476,7 +476,7 @@
             <a:fld id="{26EA1CF3-4A15-4CBF-9A5A-6A56C368BE71}" type="datetimeFigureOut">
               <a:rPr lang="en-GB" smtClean="0"/>
               <a:pPr/>
-              <a:t>03/10/2022</a:t>
+              <a:t>10/02/2025</a:t>
             </a:fld>
             <a:endParaRPr lang="en-GB"/>
           </a:p>
@@ -653,7 +653,7 @@
             <a:fld id="{26EA1CF3-4A15-4CBF-9A5A-6A56C368BE71}" type="datetimeFigureOut">
               <a:rPr lang="en-GB" smtClean="0"/>
               <a:pPr/>
-              <a:t>03/10/2022</a:t>
+              <a:t>10/02/2025</a:t>
             </a:fld>
             <a:endParaRPr lang="en-GB"/>
           </a:p>
@@ -820,7 +820,7 @@
             <a:fld id="{26EA1CF3-4A15-4CBF-9A5A-6A56C368BE71}" type="datetimeFigureOut">
               <a:rPr lang="en-GB" smtClean="0"/>
               <a:pPr/>
-              <a:t>03/10/2022</a:t>
+              <a:t>10/02/2025</a:t>
             </a:fld>
             <a:endParaRPr lang="en-GB"/>
           </a:p>
@@ -1063,7 +1063,7 @@
             <a:fld id="{26EA1CF3-4A15-4CBF-9A5A-6A56C368BE71}" type="datetimeFigureOut">
               <a:rPr lang="en-GB" smtClean="0"/>
               <a:pPr/>
-              <a:t>03/10/2022</a:t>
+              <a:t>10/02/2025</a:t>
             </a:fld>
             <a:endParaRPr lang="en-GB"/>
           </a:p>
@@ -1348,7 +1348,7 @@
             <a:fld id="{26EA1CF3-4A15-4CBF-9A5A-6A56C368BE71}" type="datetimeFigureOut">
               <a:rPr lang="en-GB" smtClean="0"/>
               <a:pPr/>
-              <a:t>03/10/2022</a:t>
+              <a:t>10/02/2025</a:t>
             </a:fld>
             <a:endParaRPr lang="en-GB"/>
           </a:p>
@@ -1767,7 +1767,7 @@
             <a:fld id="{26EA1CF3-4A15-4CBF-9A5A-6A56C368BE71}" type="datetimeFigureOut">
               <a:rPr lang="en-GB" smtClean="0"/>
               <a:pPr/>
-              <a:t>03/10/2022</a:t>
+              <a:t>10/02/2025</a:t>
             </a:fld>
             <a:endParaRPr lang="en-GB"/>
           </a:p>
@@ -1882,7 +1882,7 @@
             <a:fld id="{26EA1CF3-4A15-4CBF-9A5A-6A56C368BE71}" type="datetimeFigureOut">
               <a:rPr lang="en-GB" smtClean="0"/>
               <a:pPr/>
-              <a:t>03/10/2022</a:t>
+              <a:t>10/02/2025</a:t>
             </a:fld>
             <a:endParaRPr lang="en-GB"/>
           </a:p>
@@ -1974,7 +1974,7 @@
             <a:fld id="{26EA1CF3-4A15-4CBF-9A5A-6A56C368BE71}" type="datetimeFigureOut">
               <a:rPr lang="en-GB" smtClean="0"/>
               <a:pPr/>
-              <a:t>03/10/2022</a:t>
+              <a:t>10/02/2025</a:t>
             </a:fld>
             <a:endParaRPr lang="en-GB"/>
           </a:p>
@@ -2248,7 +2248,7 @@
             <a:fld id="{26EA1CF3-4A15-4CBF-9A5A-6A56C368BE71}" type="datetimeFigureOut">
               <a:rPr lang="en-GB" smtClean="0"/>
               <a:pPr/>
-              <a:t>03/10/2022</a:t>
+              <a:t>10/02/2025</a:t>
             </a:fld>
             <a:endParaRPr lang="en-GB"/>
           </a:p>
@@ -2498,7 +2498,7 @@
             <a:fld id="{26EA1CF3-4A15-4CBF-9A5A-6A56C368BE71}" type="datetimeFigureOut">
               <a:rPr lang="en-GB" smtClean="0"/>
               <a:pPr/>
-              <a:t>03/10/2022</a:t>
+              <a:t>10/02/2025</a:t>
             </a:fld>
             <a:endParaRPr lang="en-GB"/>
           </a:p>
@@ -2711,7 +2711,7 @@
             <a:fld id="{26EA1CF3-4A15-4CBF-9A5A-6A56C368BE71}" type="datetimeFigureOut">
               <a:rPr lang="en-GB" smtClean="0"/>
               <a:pPr/>
-              <a:t>03/10/2022</a:t>
+              <a:t>10/02/2025</a:t>
             </a:fld>
             <a:endParaRPr lang="en-GB"/>
           </a:p>
@@ -3108,7 +3108,7 @@
           </a:p>
           <a:p>
             <a:r>
-              <a:rPr lang="en-GB" sz="9600" dirty="0">
+              <a:rPr lang="en-GB" sz="7200" dirty="0">
                 <a:solidFill>
                   <a:schemeClr val="bg1"/>
                 </a:solidFill>
@@ -3122,13 +3122,6 @@
                 </a:solidFill>
               </a:rPr>
             </a:br>
-            <a:endParaRPr lang="en-GB" sz="9600" dirty="0">
-              <a:solidFill>
-                <a:schemeClr val="bg1"/>
-              </a:solidFill>
-            </a:endParaRPr>
-          </a:p>
-          <a:p>
             <a:r>
               <a:rPr lang="en-GB" sz="1200" dirty="0"/>
               <a:t>CCLI Song # 6058450</a:t>
@@ -3246,7 +3239,7 @@
         </p:nvSpPr>
         <p:spPr>
           <a:xfrm>
-            <a:off x="323528" y="188640"/>
+            <a:off x="251520" y="692696"/>
             <a:ext cx="8640960" cy="6480720"/>
           </a:xfrm>
         </p:spPr>
@@ -3257,7 +3250,7 @@
           <a:lstStyle/>
           <a:p>
             <a:r>
-              <a:rPr lang="en-GB" sz="5400" dirty="0">
+              <a:rPr lang="en-GB" sz="3600" dirty="0">
                 <a:solidFill>
                   <a:schemeClr val="bg1"/>
                 </a:solidFill>
@@ -3265,14 +3258,14 @@
               <a:t>Our Father all of heaven roars Your name</a:t>
             </a:r>
             <a:br>
-              <a:rPr lang="en-GB" sz="5400" dirty="0">
+              <a:rPr lang="en-GB" sz="3600" dirty="0">
                 <a:solidFill>
                   <a:schemeClr val="bg1"/>
                 </a:solidFill>
               </a:rPr>
             </a:br>
             <a:r>
-              <a:rPr lang="en-GB" sz="5400" dirty="0">
+              <a:rPr lang="en-GB" sz="3600" dirty="0">
                 <a:solidFill>
                   <a:schemeClr val="bg1"/>
                 </a:solidFill>
@@ -3280,14 +3273,14 @@
               <a:t>Sing louder let this place erupt with praise</a:t>
             </a:r>
             <a:br>
-              <a:rPr lang="en-GB" sz="5400" dirty="0">
+              <a:rPr lang="en-GB" sz="3600" dirty="0">
                 <a:solidFill>
                   <a:schemeClr val="bg1"/>
                 </a:solidFill>
               </a:rPr>
             </a:br>
             <a:r>
-              <a:rPr lang="en-GB" sz="5400" dirty="0">
+              <a:rPr lang="en-GB" sz="3600" dirty="0">
                 <a:solidFill>
                   <a:schemeClr val="bg1"/>
                 </a:solidFill>
@@ -3295,14 +3288,14 @@
               <a:t>Can you hear it the sound of heaven touching earth</a:t>
             </a:r>
             <a:br>
-              <a:rPr lang="en-GB" sz="5400" dirty="0">
+              <a:rPr lang="en-GB" sz="3600" dirty="0">
                 <a:solidFill>
                   <a:schemeClr val="bg1"/>
                 </a:solidFill>
               </a:rPr>
             </a:br>
             <a:r>
-              <a:rPr lang="en-GB" sz="5400" dirty="0">
+              <a:rPr lang="en-GB" sz="3600" dirty="0">
                 <a:solidFill>
                   <a:schemeClr val="bg1"/>
                 </a:solidFill>
@@ -3392,11 +3385,11 @@
           </a:bodyPr>
           <a:lstStyle/>
           <a:p>
-            <a:endParaRPr lang="en-GB" sz="5400" dirty="0"/>
-          </a:p>
-          <a:p>
-            <a:r>
-              <a:rPr lang="en-GB" sz="5400" dirty="0">
+            <a:endParaRPr lang="en-GB" sz="3600" dirty="0"/>
+          </a:p>
+          <a:p>
+            <a:r>
+              <a:rPr lang="en-GB" sz="3600" dirty="0">
                 <a:solidFill>
                   <a:schemeClr val="bg1"/>
                 </a:solidFill>
@@ -3404,14 +3397,14 @@
               <a:t>Spirit break out</a:t>
             </a:r>
             <a:br>
-              <a:rPr lang="en-GB" sz="5400" dirty="0">
+              <a:rPr lang="en-GB" sz="3600" dirty="0">
                 <a:solidFill>
                   <a:schemeClr val="bg1"/>
                 </a:solidFill>
               </a:rPr>
             </a:br>
             <a:r>
-              <a:rPr lang="en-GB" sz="5400" dirty="0">
+              <a:rPr lang="en-GB" sz="3600" dirty="0">
                 <a:solidFill>
                   <a:schemeClr val="bg1"/>
                 </a:solidFill>
@@ -3419,14 +3412,14 @@
               <a:t>Break our walls down</a:t>
             </a:r>
             <a:br>
-              <a:rPr lang="en-GB" sz="5400" dirty="0">
+              <a:rPr lang="en-GB" sz="3600" dirty="0">
                 <a:solidFill>
                   <a:schemeClr val="bg1"/>
                 </a:solidFill>
               </a:rPr>
             </a:br>
             <a:r>
-              <a:rPr lang="en-GB" sz="5400" dirty="0">
+              <a:rPr lang="en-GB" sz="3600" dirty="0">
                 <a:solidFill>
                   <a:schemeClr val="bg1"/>
                 </a:solidFill>
@@ -3434,14 +3427,14 @@
               <a:t>Spirit break out</a:t>
             </a:r>
             <a:br>
-              <a:rPr lang="en-GB" sz="5400" dirty="0">
+              <a:rPr lang="en-GB" sz="3600" dirty="0">
                 <a:solidFill>
                   <a:schemeClr val="bg1"/>
                 </a:solidFill>
               </a:rPr>
             </a:br>
             <a:r>
-              <a:rPr lang="en-GB" sz="5400" dirty="0">
+              <a:rPr lang="en-GB" sz="3600" dirty="0">
                 <a:solidFill>
                   <a:schemeClr val="bg1"/>
                 </a:solidFill>
@@ -3521,7 +3514,7 @@
         </p:nvSpPr>
         <p:spPr>
           <a:xfrm>
-            <a:off x="323528" y="188640"/>
+            <a:off x="251520" y="764704"/>
             <a:ext cx="8640960" cy="6480720"/>
           </a:xfrm>
         </p:spPr>
@@ -3532,7 +3525,7 @@
           <a:lstStyle/>
           <a:p>
             <a:r>
-              <a:rPr lang="en-GB" sz="5400" dirty="0">
+              <a:rPr lang="en-GB" sz="3600" dirty="0">
                 <a:solidFill>
                   <a:schemeClr val="bg1"/>
                 </a:solidFill>
@@ -3540,14 +3533,14 @@
               <a:t>King Jesus You're the name we're lifting high</a:t>
             </a:r>
             <a:br>
-              <a:rPr lang="en-GB" sz="5400" dirty="0">
+              <a:rPr lang="en-GB" sz="3600" dirty="0">
                 <a:solidFill>
                   <a:schemeClr val="bg1"/>
                 </a:solidFill>
               </a:rPr>
             </a:br>
             <a:r>
-              <a:rPr lang="en-GB" sz="5400" dirty="0">
+              <a:rPr lang="en-GB" sz="3600" dirty="0">
                 <a:solidFill>
                   <a:schemeClr val="bg1"/>
                 </a:solidFill>
@@ -3555,14 +3548,14 @@
               <a:t>Your glory shaking up the earth and skies</a:t>
             </a:r>
             <a:br>
-              <a:rPr lang="en-GB" sz="5400" dirty="0">
+              <a:rPr lang="en-GB" sz="3600" dirty="0">
                 <a:solidFill>
                   <a:schemeClr val="bg1"/>
                 </a:solidFill>
               </a:rPr>
             </a:br>
             <a:r>
-              <a:rPr lang="en-GB" sz="5400" dirty="0">
+              <a:rPr lang="en-GB" sz="3600" dirty="0">
                 <a:solidFill>
                   <a:schemeClr val="bg1"/>
                 </a:solidFill>
@@ -3570,14 +3563,14 @@
               <a:t>Revival we want to see Your kingdom here</a:t>
             </a:r>
             <a:br>
-              <a:rPr lang="en-GB" sz="5400" dirty="0">
+              <a:rPr lang="en-GB" sz="3600" dirty="0">
                 <a:solidFill>
                   <a:schemeClr val="bg1"/>
                 </a:solidFill>
               </a:rPr>
             </a:br>
             <a:r>
-              <a:rPr lang="en-GB" sz="5400" dirty="0">
+              <a:rPr lang="en-GB" sz="3600" dirty="0">
                 <a:solidFill>
                   <a:schemeClr val="bg1"/>
                 </a:solidFill>
@@ -3667,11 +3660,11 @@
           </a:bodyPr>
           <a:lstStyle/>
           <a:p>
-            <a:endParaRPr lang="en-GB" sz="5400" dirty="0"/>
-          </a:p>
-          <a:p>
-            <a:r>
-              <a:rPr lang="en-GB" sz="5400" dirty="0">
+            <a:endParaRPr lang="en-GB" sz="3600" dirty="0"/>
+          </a:p>
+          <a:p>
+            <a:r>
+              <a:rPr lang="en-GB" sz="3600" dirty="0">
                 <a:solidFill>
                   <a:schemeClr val="bg1"/>
                 </a:solidFill>
@@ -3679,14 +3672,14 @@
               <a:t>Spirit break out</a:t>
             </a:r>
             <a:br>
-              <a:rPr lang="en-GB" sz="5400" dirty="0">
+              <a:rPr lang="en-GB" sz="3600" dirty="0">
                 <a:solidFill>
                   <a:schemeClr val="bg1"/>
                 </a:solidFill>
               </a:rPr>
             </a:br>
             <a:r>
-              <a:rPr lang="en-GB" sz="5400" dirty="0">
+              <a:rPr lang="en-GB" sz="3600" dirty="0">
                 <a:solidFill>
                   <a:schemeClr val="bg1"/>
                 </a:solidFill>
@@ -3694,14 +3687,14 @@
               <a:t>Break our walls down</a:t>
             </a:r>
             <a:br>
-              <a:rPr lang="en-GB" sz="5400" dirty="0">
+              <a:rPr lang="en-GB" sz="3600" dirty="0">
                 <a:solidFill>
                   <a:schemeClr val="bg1"/>
                 </a:solidFill>
               </a:rPr>
             </a:br>
             <a:r>
-              <a:rPr lang="en-GB" sz="5400" dirty="0">
+              <a:rPr lang="en-GB" sz="3600" dirty="0">
                 <a:solidFill>
                   <a:schemeClr val="bg1"/>
                 </a:solidFill>
@@ -3709,14 +3702,14 @@
               <a:t>Spirit break out</a:t>
             </a:r>
             <a:br>
-              <a:rPr lang="en-GB" sz="5400" dirty="0">
+              <a:rPr lang="en-GB" sz="3600" dirty="0">
                 <a:solidFill>
                   <a:schemeClr val="bg1"/>
                 </a:solidFill>
               </a:rPr>
             </a:br>
             <a:r>
-              <a:rPr lang="en-GB" sz="5400" dirty="0">
+              <a:rPr lang="en-GB" sz="3600" dirty="0">
                 <a:solidFill>
                   <a:schemeClr val="bg1"/>
                 </a:solidFill>
